--- a/Slides_data_mining_project2.pptx
+++ b/Slides_data_mining_project2.pptx
@@ -37,25 +37,29 @@
   <p:notesSz cx="6858000" cy="9144000"/>
   <p:embeddedFontLst>
     <p:embeddedFont>
-      <p:font typeface="Fira Sans" panose="020B0403050000020004" pitchFamily="34" charset="0"/>
+      <p:font typeface="Montserrat" panose="020B0604020202020204" charset="-94"/>
       <p:regular r:id="rId27"/>
       <p:bold r:id="rId28"/>
       <p:italic r:id="rId29"/>
       <p:boldItalic r:id="rId30"/>
     </p:embeddedFont>
     <p:embeddedFont>
-      <p:font typeface="Montserrat" pitchFamily="2" charset="77"/>
+      <p:font typeface="Raleway" panose="020B0604020202020204" charset="-94"/>
       <p:regular r:id="rId31"/>
       <p:bold r:id="rId32"/>
       <p:italic r:id="rId33"/>
       <p:boldItalic r:id="rId34"/>
     </p:embeddedFont>
     <p:embeddedFont>
-      <p:font typeface="Raleway" pitchFamily="2" charset="77"/>
+      <p:font typeface="Fira Sans" panose="020B0604020202020204" charset="0"/>
       <p:regular r:id="rId35"/>
       <p:bold r:id="rId36"/>
       <p:italic r:id="rId37"/>
       <p:boldItalic r:id="rId38"/>
+    </p:embeddedFont>
+    <p:embeddedFont>
+      <p:font typeface="Bahnschrift Light" panose="020B0502040204020203" pitchFamily="34" charset="0"/>
+      <p:regular r:id="rId39"/>
     </p:embeddedFont>
   </p:embeddedFontLst>
   <p:defaultTextStyle>
@@ -9009,7 +9013,7 @@
                 <a:solidFill>
                   <a:schemeClr val="bg1"/>
                 </a:solidFill>
-                <a:latin typeface="+mj-lt"/>
+                <a:latin typeface="Bahnschrift Light" panose="020B0502040204020203" pitchFamily="34" charset="0"/>
               </a:rPr>
               <a:t>CSE 4063 </a:t>
             </a:r>
@@ -9031,7 +9035,7 @@
                 <a:solidFill>
                   <a:schemeClr val="bg1"/>
                 </a:solidFill>
-                <a:latin typeface="+mj-lt"/>
+                <a:latin typeface="Bahnschrift Light" panose="020B0502040204020203" pitchFamily="34" charset="0"/>
               </a:rPr>
               <a:t>Fundamentals of Data Mining</a:t>
             </a:r>
@@ -9053,7 +9057,7 @@
                 <a:solidFill>
                   <a:schemeClr val="bg1"/>
                 </a:solidFill>
-                <a:latin typeface="+mj-lt"/>
+                <a:latin typeface="Bahnschrift Light" panose="020B0502040204020203" pitchFamily="34" charset="0"/>
               </a:rPr>
               <a:t>Project 2</a:t>
             </a:r>
@@ -9075,7 +9079,7 @@
                 <a:solidFill>
                   <a:schemeClr val="bg1"/>
                 </a:solidFill>
-                <a:latin typeface="+mj-lt"/>
+                <a:latin typeface="Bahnschrift Light" panose="020B0502040204020203" pitchFamily="34" charset="0"/>
               </a:rPr>
               <a:t>Fall 2020</a:t>
             </a:r>
@@ -9083,7 +9087,7 @@
               <a:solidFill>
                 <a:schemeClr val="bg1"/>
               </a:solidFill>
-              <a:latin typeface="+mj-lt"/>
+              <a:latin typeface="Bahnschrift Light" panose="020B0502040204020203" pitchFamily="34" charset="0"/>
             </a:endParaRPr>
           </a:p>
         </p:txBody>
@@ -27835,32 +27839,60 @@
           <a:lstStyle/>
           <a:p>
             <a:r>
-              <a:rPr lang="tr-TR" dirty="0" err="1"/>
+              <a:rPr lang="tr-TR" dirty="0" err="1">
+                <a:solidFill>
+                  <a:schemeClr val="bg1"/>
+                </a:solidFill>
+              </a:rPr>
               <a:t>Diala</a:t>
             </a:r>
             <a:r>
-              <a:rPr lang="tr-TR" dirty="0"/>
+              <a:rPr lang="tr-TR" dirty="0">
+                <a:solidFill>
+                  <a:schemeClr val="bg1"/>
+                </a:solidFill>
+              </a:rPr>
               <a:t> </a:t>
             </a:r>
             <a:r>
-              <a:rPr lang="tr-TR" dirty="0" err="1"/>
+              <a:rPr lang="tr-TR" dirty="0" err="1">
+                <a:solidFill>
+                  <a:schemeClr val="bg1"/>
+                </a:solidFill>
+              </a:rPr>
               <a:t>Jubeh</a:t>
             </a:r>
-            <a:endParaRPr lang="tr-TR" dirty="0"/>
+            <a:endParaRPr lang="tr-TR" dirty="0">
+              <a:solidFill>
+                <a:schemeClr val="bg1"/>
+              </a:solidFill>
+            </a:endParaRPr>
           </a:p>
           <a:p>
             <a:r>
-              <a:rPr lang="tr-TR" dirty="0" err="1"/>
+              <a:rPr lang="tr-TR" dirty="0" err="1">
+                <a:solidFill>
+                  <a:schemeClr val="bg1"/>
+                </a:solidFill>
+              </a:rPr>
               <a:t>Nurhande</a:t>
             </a:r>
             <a:r>
-              <a:rPr lang="tr-TR" dirty="0"/>
+              <a:rPr lang="tr-TR" dirty="0">
+                <a:solidFill>
+                  <a:schemeClr val="bg1"/>
+                </a:solidFill>
+              </a:rPr>
               <a:t> Akyüz</a:t>
             </a:r>
           </a:p>
           <a:p>
             <a:r>
-              <a:rPr lang="tr-TR" dirty="0"/>
+              <a:rPr lang="tr-TR" dirty="0">
+                <a:solidFill>
+                  <a:schemeClr val="bg1"/>
+                </a:solidFill>
+              </a:rPr>
               <a:t>Münevver Sueda Kocatürk</a:t>
             </a:r>
           </a:p>
@@ -27871,6 +27903,13 @@
   <p:clrMapOvr>
     <a:masterClrMapping/>
   </p:clrMapOvr>
+  <p:timing>
+    <p:tnLst>
+      <p:par>
+        <p:cTn id="1" dur="indefinite" restart="never" nodeType="tmRoot"/>
+      </p:par>
+    </p:tnLst>
+  </p:timing>
 </p:sld>
 </file>
 
@@ -28155,6 +28194,13 @@
   <p:clrMapOvr>
     <a:masterClrMapping/>
   </p:clrMapOvr>
+  <p:timing>
+    <p:tnLst>
+      <p:par>
+        <p:cTn id="1" dur="indefinite" restart="never" nodeType="tmRoot"/>
+      </p:par>
+    </p:tnLst>
+  </p:timing>
 </p:sld>
 </file>
 
@@ -28437,6 +28483,13 @@
   <p:clrMapOvr>
     <a:masterClrMapping/>
   </p:clrMapOvr>
+  <p:timing>
+    <p:tnLst>
+      <p:par>
+        <p:cTn id="1" dur="indefinite" restart="never" nodeType="tmRoot"/>
+      </p:par>
+    </p:tnLst>
+  </p:timing>
 </p:sld>
 </file>
 
@@ -28730,6 +28783,13 @@
   <p:clrMapOvr>
     <a:masterClrMapping/>
   </p:clrMapOvr>
+  <p:timing>
+    <p:tnLst>
+      <p:par>
+        <p:cTn id="1" dur="indefinite" restart="never" nodeType="tmRoot"/>
+      </p:par>
+    </p:tnLst>
+  </p:timing>
 </p:sld>
 </file>
 
@@ -36562,6 +36622,13 @@
   <p:clrMapOvr>
     <a:masterClrMapping/>
   </p:clrMapOvr>
+  <p:timing>
+    <p:tnLst>
+      <p:par>
+        <p:cTn id="1" dur="indefinite" restart="never" nodeType="tmRoot"/>
+      </p:par>
+    </p:tnLst>
+  </p:timing>
 </p:sld>
 </file>
 
@@ -36956,6 +37023,13 @@
   <p:clrMapOvr>
     <a:masterClrMapping/>
   </p:clrMapOvr>
+  <p:timing>
+    <p:tnLst>
+      <p:par>
+        <p:cTn id="1" dur="indefinite" restart="never" nodeType="tmRoot"/>
+      </p:par>
+    </p:tnLst>
+  </p:timing>
 </p:sld>
 </file>
 
@@ -37056,6 +37130,13 @@
   <p:clrMapOvr>
     <a:masterClrMapping/>
   </p:clrMapOvr>
+  <p:timing>
+    <p:tnLst>
+      <p:par>
+        <p:cTn id="1" dur="indefinite" restart="never" nodeType="tmRoot"/>
+      </p:par>
+    </p:tnLst>
+  </p:timing>
 </p:sld>
 </file>
 
@@ -37480,6 +37561,13 @@
   <p:clrMapOvr>
     <a:masterClrMapping/>
   </p:clrMapOvr>
+  <p:timing>
+    <p:tnLst>
+      <p:par>
+        <p:cTn id="1" dur="indefinite" restart="never" nodeType="tmRoot"/>
+      </p:par>
+    </p:tnLst>
+  </p:timing>
 </p:sld>
 </file>
 
@@ -37596,6 +37684,13 @@
   <p:clrMapOvr>
     <a:masterClrMapping/>
   </p:clrMapOvr>
+  <p:timing>
+    <p:tnLst>
+      <p:par>
+        <p:cTn id="1" dur="indefinite" restart="never" nodeType="tmRoot"/>
+      </p:par>
+    </p:tnLst>
+  </p:timing>
 </p:sld>
 </file>
 
@@ -37696,6 +37791,13 @@
   <p:clrMapOvr>
     <a:masterClrMapping/>
   </p:clrMapOvr>
+  <p:timing>
+    <p:tnLst>
+      <p:par>
+        <p:cTn id="1" dur="indefinite" restart="never" nodeType="tmRoot"/>
+      </p:par>
+    </p:tnLst>
+  </p:timing>
 </p:sld>
 </file>
 
@@ -38140,6 +38242,13 @@
   <p:clrMapOvr>
     <a:masterClrMapping/>
   </p:clrMapOvr>
+  <p:timing>
+    <p:tnLst>
+      <p:par>
+        <p:cTn id="1" dur="indefinite" restart="never" nodeType="tmRoot"/>
+      </p:par>
+    </p:tnLst>
+  </p:timing>
 </p:sld>
 </file>
 
@@ -39478,6 +39587,13 @@
   <p:clrMapOvr>
     <a:masterClrMapping/>
   </p:clrMapOvr>
+  <p:timing>
+    <p:tnLst>
+      <p:par>
+        <p:cTn id="1" dur="indefinite" restart="never" nodeType="tmRoot"/>
+      </p:par>
+    </p:tnLst>
+  </p:timing>
 </p:sld>
 </file>
 
@@ -39578,6 +39694,13 @@
   <p:clrMapOvr>
     <a:masterClrMapping/>
   </p:clrMapOvr>
+  <p:timing>
+    <p:tnLst>
+      <p:par>
+        <p:cTn id="1" dur="indefinite" restart="never" nodeType="tmRoot"/>
+      </p:par>
+    </p:tnLst>
+  </p:timing>
 </p:sld>
 </file>
 
@@ -39756,6 +39879,13 @@
   <p:clrMapOvr>
     <a:masterClrMapping/>
   </p:clrMapOvr>
+  <p:timing>
+    <p:tnLst>
+      <p:par>
+        <p:cTn id="1" dur="indefinite" restart="never" nodeType="tmRoot"/>
+      </p:par>
+    </p:tnLst>
+  </p:timing>
 </p:sld>
 </file>
 
@@ -40021,6 +40151,13 @@
   <p:clrMapOvr>
     <a:masterClrMapping/>
   </p:clrMapOvr>
+  <p:timing>
+    <p:tnLst>
+      <p:par>
+        <p:cTn id="1" dur="indefinite" restart="never" nodeType="tmRoot"/>
+      </p:par>
+    </p:tnLst>
+  </p:timing>
 </p:sld>
 </file>
 
@@ -40286,6 +40423,13 @@
   <p:clrMapOvr>
     <a:masterClrMapping/>
   </p:clrMapOvr>
+  <p:timing>
+    <p:tnLst>
+      <p:par>
+        <p:cTn id="1" dur="indefinite" restart="never" nodeType="tmRoot"/>
+      </p:par>
+    </p:tnLst>
+  </p:timing>
 </p:sld>
 </file>
 
@@ -42762,6 +42906,13 @@
   <p:clrMapOvr>
     <a:masterClrMapping/>
   </p:clrMapOvr>
+  <p:timing>
+    <p:tnLst>
+      <p:par>
+        <p:cTn id="1" dur="indefinite" restart="never" nodeType="tmRoot"/>
+      </p:par>
+    </p:tnLst>
+  </p:timing>
 </p:sld>
 </file>
 
@@ -42890,6 +43041,13 @@
   <p:clrMapOvr>
     <a:masterClrMapping/>
   </p:clrMapOvr>
+  <p:timing>
+    <p:tnLst>
+      <p:par>
+        <p:cTn id="1" dur="indefinite" restart="never" nodeType="tmRoot"/>
+      </p:par>
+    </p:tnLst>
+  </p:timing>
 </p:sld>
 </file>
 
@@ -43083,6 +43241,13 @@
   <p:clrMapOvr>
     <a:masterClrMapping/>
   </p:clrMapOvr>
+  <p:timing>
+    <p:tnLst>
+      <p:par>
+        <p:cTn id="1" dur="indefinite" restart="never" nodeType="tmRoot"/>
+      </p:par>
+    </p:tnLst>
+  </p:timing>
 </p:sld>
 </file>
 
@@ -43375,6 +43540,13 @@
   <p:clrMapOvr>
     <a:masterClrMapping/>
   </p:clrMapOvr>
+  <p:timing>
+    <p:tnLst>
+      <p:par>
+        <p:cTn id="1" dur="indefinite" restart="never" nodeType="tmRoot"/>
+      </p:par>
+    </p:tnLst>
+  </p:timing>
 </p:sld>
 </file>
 
@@ -43515,6 +43687,13 @@
   <p:clrMapOvr>
     <a:masterClrMapping/>
   </p:clrMapOvr>
+  <p:timing>
+    <p:tnLst>
+      <p:par>
+        <p:cTn id="1" dur="indefinite" restart="never" nodeType="tmRoot"/>
+      </p:par>
+    </p:tnLst>
+  </p:timing>
 </p:sld>
 </file>
 
@@ -43638,6 +43817,13 @@
   <p:clrMapOvr>
     <a:masterClrMapping/>
   </p:clrMapOvr>
+  <p:timing>
+    <p:tnLst>
+      <p:par>
+        <p:cTn id="1" dur="indefinite" restart="never" nodeType="tmRoot"/>
+      </p:par>
+    </p:tnLst>
+  </p:timing>
 </p:sld>
 </file>
 
@@ -51502,6 +51688,13 @@
   <p:clrMapOvr>
     <a:masterClrMapping/>
   </p:clrMapOvr>
+  <p:timing>
+    <p:tnLst>
+      <p:par>
+        <p:cTn id="1" dur="indefinite" restart="never" nodeType="tmRoot"/>
+      </p:par>
+    </p:tnLst>
+  </p:timing>
 </p:sld>
 </file>
 
@@ -51642,6 +51835,13 @@
   <p:clrMapOvr>
     <a:masterClrMapping/>
   </p:clrMapOvr>
+  <p:timing>
+    <p:tnLst>
+      <p:par>
+        <p:cTn id="1" dur="indefinite" restart="never" nodeType="tmRoot"/>
+      </p:par>
+    </p:tnLst>
+  </p:timing>
 </p:sld>
 </file>
 
